--- a/java/docs/07-java-泛型.pptx
+++ b/java/docs/07-java-泛型.pptx
@@ -6,13 +6,17 @@
     <p:sldMasterId id="2147483660" r:id="rId2"/>
   </p:sldMasterIdLst>
   <p:notesMasterIdLst>
-    <p:notesMasterId r:id="rId7"/>
+    <p:notesMasterId r:id="rId11"/>
   </p:notesMasterIdLst>
   <p:sldIdLst>
     <p:sldId id="256" r:id="rId3"/>
-    <p:sldId id="271" r:id="rId4"/>
-    <p:sldId id="261" r:id="rId5"/>
-    <p:sldId id="269" r:id="rId6"/>
+    <p:sldId id="273" r:id="rId4"/>
+    <p:sldId id="271" r:id="rId5"/>
+    <p:sldId id="272" r:id="rId6"/>
+    <p:sldId id="274" r:id="rId7"/>
+    <p:sldId id="275" r:id="rId8"/>
+    <p:sldId id="276" r:id="rId9"/>
+    <p:sldId id="269" r:id="rId10"/>
   </p:sldIdLst>
   <p:sldSz cx="9144000" cy="6858000" type="screen4x3"/>
   <p:notesSz cx="6858000" cy="9144000"/>
@@ -464,105 +468,6 @@
     </a:lvl9pPr>
   </p:notesStyle>
 </p:notesMaster>
-</file>
-
-<file path=ppt/notesSlides/notesSlide1.xml><?xml version="1.0" encoding="utf-8"?>
-<p:notes xmlns:a="http://schemas.openxmlformats.org/drawingml/2006/main" xmlns:r="http://schemas.openxmlformats.org/officeDocument/2006/relationships" xmlns:p="http://schemas.openxmlformats.org/presentationml/2006/main">
-  <p:cSld>
-    <p:spTree>
-      <p:nvGrpSpPr>
-        <p:cNvPr id="1" name=""/>
-        <p:cNvGrpSpPr/>
-        <p:nvPr/>
-      </p:nvGrpSpPr>
-      <p:grpSpPr>
-        <a:xfrm>
-          <a:off x="0" y="0"/>
-          <a:ext cx="0" cy="0"/>
-          <a:chOff x="0" y="0"/>
-          <a:chExt cx="0" cy="0"/>
-        </a:xfrm>
-      </p:grpSpPr>
-      <p:sp>
-        <p:nvSpPr>
-          <p:cNvPr id="2" name="幻灯片图像占位符 1"/>
-          <p:cNvSpPr>
-            <a:spLocks noGrp="1" noRot="1" noChangeAspect="1"/>
-          </p:cNvSpPr>
-          <p:nvPr>
-            <p:ph type="sldImg"/>
-          </p:nvPr>
-        </p:nvSpPr>
-        <p:spPr/>
-      </p:sp>
-      <p:sp>
-        <p:nvSpPr>
-          <p:cNvPr id="3" name="备注占位符 2"/>
-          <p:cNvSpPr>
-            <a:spLocks noGrp="1"/>
-          </p:cNvSpPr>
-          <p:nvPr>
-            <p:ph type="body" idx="1"/>
-          </p:nvPr>
-        </p:nvSpPr>
-        <p:spPr/>
-        <p:txBody>
-          <a:bodyPr>
-            <a:normAutofit/>
-          </a:bodyPr>
-          <a:lstStyle/>
-          <a:p>
-            <a:pPr marL="0" marR="0" indent="0" algn="l" defTabSz="914400" rtl="0" eaLnBrk="1" fontAlgn="auto" latinLnBrk="0" hangingPunct="1">
-              <a:lnSpc>
-                <a:spcPct val="100000"/>
-              </a:lnSpc>
-              <a:spcBef>
-                <a:spcPts val="0"/>
-              </a:spcBef>
-              <a:spcAft>
-                <a:spcPts val="0"/>
-              </a:spcAft>
-              <a:buClrTx/>
-              <a:buSzTx/>
-              <a:buFontTx/>
-              <a:buNone/>
-              <a:tabLst/>
-              <a:defRPr/>
-            </a:pPr>
-            <a:endParaRPr lang="zh-CN" altLang="en-US" dirty="0" smtClean="0"/>
-          </a:p>
-        </p:txBody>
-      </p:sp>
-      <p:sp>
-        <p:nvSpPr>
-          <p:cNvPr id="4" name="灯片编号占位符 3"/>
-          <p:cNvSpPr>
-            <a:spLocks noGrp="1"/>
-          </p:cNvSpPr>
-          <p:nvPr>
-            <p:ph type="sldNum" sz="quarter" idx="10"/>
-          </p:nvPr>
-        </p:nvSpPr>
-        <p:spPr/>
-        <p:txBody>
-          <a:bodyPr/>
-          <a:lstStyle/>
-          <a:p>
-            <a:fld id="{96901A81-0F01-4EEE-B1B8-8AAFCC661EC4}" type="slidenum">
-              <a:rPr lang="zh-CN" altLang="en-US" smtClean="0"/>
-              <a:pPr/>
-              <a:t>3</a:t>
-            </a:fld>
-            <a:endParaRPr lang="zh-CN" altLang="en-US"/>
-          </a:p>
-        </p:txBody>
-      </p:sp>
-    </p:spTree>
-  </p:cSld>
-  <p:clrMapOvr>
-    <a:masterClrMapping/>
-  </p:clrMapOvr>
-</p:notes>
 </file>
 
 <file path=ppt/slideLayouts/slideLayout1.xml><?xml version="1.0" encoding="utf-8"?>
@@ -39709,7 +39614,6 @@
               <a:rPr lang="zh-CN" altLang="en-US" dirty="0"/>
               <a:t>泛型</a:t>
             </a:r>
-            <a:endParaRPr lang="zh-CN" altLang="en-US" dirty="0"/>
           </a:p>
         </p:txBody>
       </p:sp>
@@ -39790,7 +39694,11 @@
           </a:bodyPr>
           <a:lstStyle/>
           <a:p>
-            <a:endParaRPr lang="zh-CN" altLang="en-US"/>
+            <a:r>
+              <a:rPr lang="zh-CN" altLang="en-US" dirty="0" smtClean="0"/>
+              <a:t>基本概念</a:t>
+            </a:r>
+            <a:endParaRPr lang="zh-CN" altLang="en-US" dirty="0"/>
           </a:p>
         </p:txBody>
       </p:sp>
@@ -39809,7 +39717,338 @@
           <a:bodyPr/>
           <a:lstStyle/>
           <a:p>
-            <a:endParaRPr lang="zh-CN" altLang="en-US"/>
+            <a:r>
+              <a:rPr lang="zh-CN" altLang="en-US" dirty="0" smtClean="0"/>
+              <a:t>类型是值的抽象</a:t>
+            </a:r>
+            <a:endParaRPr lang="en-US" altLang="zh-CN" dirty="0" smtClean="0"/>
+          </a:p>
+          <a:p>
+            <a:r>
+              <a:rPr lang="zh-CN" altLang="en-US" dirty="0"/>
+              <a:t>泛</a:t>
+            </a:r>
+            <a:r>
+              <a:rPr lang="zh-CN" altLang="en-US" dirty="0" smtClean="0"/>
+              <a:t>型是类型的抽象</a:t>
+            </a:r>
+            <a:endParaRPr lang="en-US" altLang="zh-CN" dirty="0" smtClean="0"/>
+          </a:p>
+          <a:p>
+            <a:r>
+              <a:rPr lang="zh-CN" altLang="en-US" dirty="0" smtClean="0"/>
+              <a:t>类似与</a:t>
+            </a:r>
+            <a:r>
+              <a:rPr lang="en-US" altLang="zh-CN" dirty="0" smtClean="0"/>
+              <a:t>C++</a:t>
+            </a:r>
+            <a:r>
+              <a:rPr lang="zh-CN" altLang="en-US" dirty="0" smtClean="0"/>
+              <a:t>中的模板</a:t>
+            </a:r>
+            <a:endParaRPr lang="en-US" altLang="zh-CN" dirty="0" smtClean="0"/>
+          </a:p>
+          <a:p>
+            <a:endParaRPr lang="zh-CN" altLang="en-US" dirty="0"/>
+          </a:p>
+        </p:txBody>
+      </p:sp>
+    </p:spTree>
+    <p:extLst>
+      <p:ext uri="{BB962C8B-B14F-4D97-AF65-F5344CB8AC3E}">
+        <p14:creationId xmlns:p14="http://schemas.microsoft.com/office/powerpoint/2010/main" val="2121948513"/>
+      </p:ext>
+    </p:extLst>
+  </p:cSld>
+  <p:clrMapOvr>
+    <a:masterClrMapping/>
+  </p:clrMapOvr>
+</p:sld>
+</file>
+
+<file path=ppt/slides/slide3.xml><?xml version="1.0" encoding="utf-8"?>
+<p:sld xmlns:a="http://schemas.openxmlformats.org/drawingml/2006/main" xmlns:r="http://schemas.openxmlformats.org/officeDocument/2006/relationships" xmlns:p="http://schemas.openxmlformats.org/presentationml/2006/main">
+  <p:cSld>
+    <p:spTree>
+      <p:nvGrpSpPr>
+        <p:cNvPr id="1" name=""/>
+        <p:cNvGrpSpPr/>
+        <p:nvPr/>
+      </p:nvGrpSpPr>
+      <p:grpSpPr>
+        <a:xfrm>
+          <a:off x="0" y="0"/>
+          <a:ext cx="0" cy="0"/>
+          <a:chOff x="0" y="0"/>
+          <a:chExt cx="0" cy="0"/>
+        </a:xfrm>
+      </p:grpSpPr>
+      <p:sp>
+        <p:nvSpPr>
+          <p:cNvPr id="2" name="标题 1"/>
+          <p:cNvSpPr>
+            <a:spLocks noGrp="1"/>
+          </p:cNvSpPr>
+          <p:nvPr>
+            <p:ph type="title"/>
+          </p:nvPr>
+        </p:nvSpPr>
+        <p:spPr/>
+        <p:txBody>
+          <a:bodyPr>
+            <a:normAutofit fontScale="90000"/>
+          </a:bodyPr>
+          <a:lstStyle/>
+          <a:p>
+            <a:r>
+              <a:rPr lang="zh-CN" altLang="en-US" dirty="0" smtClean="0"/>
+              <a:t>方法重载与泛型</a:t>
+            </a:r>
+            <a:endParaRPr lang="zh-CN" altLang="en-US" dirty="0"/>
+          </a:p>
+        </p:txBody>
+      </p:sp>
+      <p:sp>
+        <p:nvSpPr>
+          <p:cNvPr id="3" name="内容占位符 2"/>
+          <p:cNvSpPr>
+            <a:spLocks noGrp="1"/>
+          </p:cNvSpPr>
+          <p:nvPr>
+            <p:ph idx="1"/>
+          </p:nvPr>
+        </p:nvSpPr>
+        <p:spPr>
+          <a:xfrm>
+            <a:off x="457200" y="980728"/>
+            <a:ext cx="8229600" cy="5328592"/>
+          </a:xfrm>
+        </p:spPr>
+        <p:txBody>
+          <a:bodyPr>
+            <a:normAutofit fontScale="70000" lnSpcReduction="20000"/>
+          </a:bodyPr>
+          <a:lstStyle/>
+          <a:p>
+            <a:r>
+              <a:rPr lang="zh-CN" altLang="en-US" dirty="0" smtClean="0"/>
+              <a:t>重载函数</a:t>
+            </a:r>
+            <a:endParaRPr lang="en-US" altLang="zh-CN" dirty="0" smtClean="0"/>
+          </a:p>
+          <a:p>
+            <a:pPr marL="0" indent="0">
+              <a:buNone/>
+            </a:pPr>
+            <a:r>
+              <a:rPr lang="en-US" altLang="zh-CN" dirty="0" err="1" smtClean="0"/>
+              <a:t>int</a:t>
+            </a:r>
+            <a:r>
+              <a:rPr lang="en-US" altLang="zh-CN" dirty="0" smtClean="0"/>
+              <a:t> </a:t>
+            </a:r>
+            <a:r>
+              <a:rPr lang="en-US" altLang="zh-CN" dirty="0"/>
+              <a:t>output( </a:t>
+            </a:r>
+            <a:r>
+              <a:rPr lang="en-US" altLang="zh-CN" dirty="0" err="1"/>
+              <a:t>int</a:t>
+            </a:r>
+            <a:r>
+              <a:rPr lang="en-US" altLang="zh-CN" dirty="0"/>
+              <a:t> a, </a:t>
+            </a:r>
+            <a:r>
+              <a:rPr lang="en-US" altLang="zh-CN" dirty="0" err="1"/>
+              <a:t>int</a:t>
+            </a:r>
+            <a:r>
+              <a:rPr lang="en-US" altLang="zh-CN" dirty="0"/>
+              <a:t> b) { </a:t>
+            </a:r>
+          </a:p>
+          <a:p>
+            <a:pPr marL="0" indent="0">
+              <a:buNone/>
+            </a:pPr>
+            <a:r>
+              <a:rPr lang="en-US" altLang="zh-CN" dirty="0"/>
+              <a:t>  </a:t>
+            </a:r>
+            <a:r>
+              <a:rPr lang="en-US" altLang="zh-CN" dirty="0" err="1" smtClean="0"/>
+              <a:t>System.out.println</a:t>
+            </a:r>
+            <a:r>
+              <a:rPr lang="en-US" altLang="zh-CN" dirty="0" smtClean="0"/>
+              <a:t>(a </a:t>
+            </a:r>
+            <a:r>
+              <a:rPr lang="en-US" altLang="zh-CN" dirty="0"/>
+              <a:t>+ "") ; </a:t>
+            </a:r>
+          </a:p>
+          <a:p>
+            <a:pPr marL="0" indent="0">
+              <a:buNone/>
+            </a:pPr>
+            <a:r>
+              <a:rPr lang="en-US" altLang="zh-CN" dirty="0"/>
+              <a:t>  return b ;</a:t>
+            </a:r>
+          </a:p>
+          <a:p>
+            <a:pPr marL="0" indent="0">
+              <a:buNone/>
+            </a:pPr>
+            <a:r>
+              <a:rPr lang="en-US" altLang="zh-CN" dirty="0"/>
+              <a:t>}</a:t>
+            </a:r>
+          </a:p>
+          <a:p>
+            <a:pPr marL="0" indent="0">
+              <a:buNone/>
+            </a:pPr>
+            <a:endParaRPr lang="en-US" altLang="zh-CN" dirty="0"/>
+          </a:p>
+          <a:p>
+            <a:pPr marL="0" indent="0">
+              <a:buNone/>
+            </a:pPr>
+            <a:r>
+              <a:rPr lang="en-US" altLang="zh-CN" dirty="0"/>
+              <a:t>float output( float a, float b) { </a:t>
+            </a:r>
+          </a:p>
+          <a:p>
+            <a:pPr marL="0" indent="0">
+              <a:buNone/>
+            </a:pPr>
+            <a:r>
+              <a:rPr lang="en-US" altLang="zh-CN" dirty="0"/>
+              <a:t>  </a:t>
+            </a:r>
+            <a:r>
+              <a:rPr lang="en-US" altLang="zh-CN" dirty="0" err="1"/>
+              <a:t>System.</a:t>
+            </a:r>
+            <a:r>
+              <a:rPr lang="en-US" altLang="zh-CN" dirty="0" err="1" smtClean="0"/>
+              <a:t>out.println</a:t>
+            </a:r>
+            <a:r>
+              <a:rPr lang="en-US" altLang="zh-CN" dirty="0" smtClean="0"/>
+              <a:t>(a </a:t>
+            </a:r>
+            <a:r>
+              <a:rPr lang="en-US" altLang="zh-CN" dirty="0"/>
+              <a:t>+ "") ; </a:t>
+            </a:r>
+          </a:p>
+          <a:p>
+            <a:pPr marL="0" indent="0">
+              <a:buNone/>
+            </a:pPr>
+            <a:r>
+              <a:rPr lang="en-US" altLang="zh-CN" dirty="0"/>
+              <a:t>  return b ;</a:t>
+            </a:r>
+          </a:p>
+          <a:p>
+            <a:pPr marL="0" indent="0">
+              <a:buNone/>
+            </a:pPr>
+            <a:r>
+              <a:rPr lang="en-US" altLang="zh-CN" dirty="0" smtClean="0"/>
+              <a:t>}</a:t>
+            </a:r>
+          </a:p>
+          <a:p>
+            <a:r>
+              <a:rPr lang="zh-CN" altLang="en-US" dirty="0" smtClean="0"/>
+              <a:t>将类型进行抽象</a:t>
+            </a:r>
+            <a:endParaRPr lang="en-US" altLang="zh-CN" dirty="0" smtClean="0"/>
+          </a:p>
+          <a:p>
+            <a:pPr marL="0" indent="0">
+              <a:buNone/>
+            </a:pPr>
+            <a:r>
+              <a:rPr lang="en-US" altLang="zh-CN" dirty="0"/>
+              <a:t>&lt;</a:t>
+            </a:r>
+            <a:r>
+              <a:rPr lang="en-US" altLang="zh-CN" dirty="0">
+                <a:solidFill>
+                  <a:srgbClr val="FF0000"/>
+                </a:solidFill>
+              </a:rPr>
+              <a:t>T</a:t>
+            </a:r>
+            <a:r>
+              <a:rPr lang="en-US" altLang="zh-CN" dirty="0"/>
+              <a:t>&gt; T output(T a, T b) { </a:t>
+            </a:r>
+          </a:p>
+          <a:p>
+            <a:pPr marL="0" indent="0">
+              <a:buNone/>
+            </a:pPr>
+            <a:r>
+              <a:rPr lang="en-US" altLang="zh-CN" dirty="0"/>
+              <a:t>  </a:t>
+            </a:r>
+            <a:r>
+              <a:rPr lang="en-US" altLang="zh-CN" dirty="0" err="1"/>
+              <a:t>System.</a:t>
+            </a:r>
+            <a:r>
+              <a:rPr lang="en-US" altLang="zh-CN" dirty="0" err="1" smtClean="0"/>
+              <a:t>out.println</a:t>
+            </a:r>
+            <a:r>
+              <a:rPr lang="en-US" altLang="zh-CN" dirty="0" smtClean="0"/>
+              <a:t>(a </a:t>
+            </a:r>
+            <a:r>
+              <a:rPr lang="en-US" altLang="zh-CN" dirty="0"/>
+              <a:t>+ "") ; </a:t>
+            </a:r>
+          </a:p>
+          <a:p>
+            <a:pPr marL="0" indent="0">
+              <a:buNone/>
+            </a:pPr>
+            <a:r>
+              <a:rPr lang="en-US" altLang="zh-CN" dirty="0"/>
+              <a:t>  return b ;</a:t>
+            </a:r>
+          </a:p>
+          <a:p>
+            <a:pPr marL="0" indent="0">
+              <a:buNone/>
+            </a:pPr>
+            <a:r>
+              <a:rPr lang="en-US" altLang="zh-CN" dirty="0"/>
+              <a:t>}</a:t>
+            </a:r>
+          </a:p>
+          <a:p>
+            <a:pPr marL="0" indent="0">
+              <a:buNone/>
+            </a:pPr>
+            <a:endParaRPr lang="en-US" altLang="zh-CN" dirty="0" smtClean="0"/>
+          </a:p>
+          <a:p>
+            <a:pPr marL="0" indent="0">
+              <a:buNone/>
+            </a:pPr>
+            <a:endParaRPr lang="zh-CN" altLang="en-US" dirty="0"/>
           </a:p>
         </p:txBody>
       </p:sp>
@@ -39833,7 +40072,7 @@
 </p:sld>
 </file>
 
-<file path=ppt/slides/slide3.xml><?xml version="1.0" encoding="utf-8"?>
+<file path=ppt/slides/slide4.xml><?xml version="1.0" encoding="utf-8"?>
 <p:sld xmlns:a="http://schemas.openxmlformats.org/drawingml/2006/main" xmlns:r="http://schemas.openxmlformats.org/officeDocument/2006/relationships" xmlns:p="http://schemas.openxmlformats.org/presentationml/2006/main">
   <p:cSld>
     <p:spTree>
@@ -39850,27 +40089,861 @@
           <a:chExt cx="0" cy="0"/>
         </a:xfrm>
       </p:grpSpPr>
+      <p:sp>
+        <p:nvSpPr>
+          <p:cNvPr id="2" name="标题 1"/>
+          <p:cNvSpPr>
+            <a:spLocks noGrp="1"/>
+          </p:cNvSpPr>
+          <p:nvPr>
+            <p:ph type="title"/>
+          </p:nvPr>
+        </p:nvSpPr>
+        <p:spPr/>
+        <p:txBody>
+          <a:bodyPr>
+            <a:normAutofit fontScale="90000"/>
+          </a:bodyPr>
+          <a:lstStyle/>
+          <a:p>
+            <a:r>
+              <a:rPr lang="zh-CN" altLang="en-US" dirty="0" smtClean="0"/>
+              <a:t>多参数的泛</a:t>
+            </a:r>
+            <a:r>
+              <a:rPr lang="zh-CN" altLang="en-US" dirty="0"/>
+              <a:t>型</a:t>
+            </a:r>
+          </a:p>
+        </p:txBody>
+      </p:sp>
+      <p:sp>
+        <p:nvSpPr>
+          <p:cNvPr id="3" name="内容占位符 2"/>
+          <p:cNvSpPr>
+            <a:spLocks noGrp="1"/>
+          </p:cNvSpPr>
+          <p:nvPr>
+            <p:ph idx="1"/>
+          </p:nvPr>
+        </p:nvSpPr>
+        <p:spPr/>
+        <p:txBody>
+          <a:bodyPr/>
+          <a:lstStyle/>
+          <a:p>
+            <a:pPr marL="0" indent="0">
+              <a:buNone/>
+            </a:pPr>
+            <a:r>
+              <a:rPr lang="en-US" altLang="zh-CN" dirty="0" smtClean="0"/>
+              <a:t>&lt;</a:t>
+            </a:r>
+            <a:r>
+              <a:rPr lang="en-US" altLang="zh-CN" dirty="0"/>
+              <a:t>T, U&gt; U </a:t>
+            </a:r>
+            <a:r>
+              <a:rPr lang="en-US" altLang="zh-CN" dirty="0" err="1" smtClean="0"/>
+              <a:t>multiput</a:t>
+            </a:r>
+            <a:r>
+              <a:rPr lang="en-US" altLang="zh-CN" dirty="0"/>
+              <a:t>( T a, U b) { </a:t>
+            </a:r>
+          </a:p>
+          <a:p>
+            <a:pPr marL="0" indent="0">
+              <a:buNone/>
+            </a:pPr>
+            <a:r>
+              <a:rPr lang="en-US" altLang="zh-CN" dirty="0"/>
+              <a:t>	</a:t>
+            </a:r>
+            <a:r>
+              <a:rPr lang="en-US" altLang="zh-CN" dirty="0" err="1" smtClean="0"/>
+              <a:t>System.out.println</a:t>
+            </a:r>
+            <a:r>
+              <a:rPr lang="en-US" altLang="zh-CN" dirty="0" smtClean="0"/>
+              <a:t>(a </a:t>
+            </a:r>
+            <a:r>
+              <a:rPr lang="en-US" altLang="zh-CN" dirty="0"/>
+              <a:t>+ "") ; </a:t>
+            </a:r>
+          </a:p>
+          <a:p>
+            <a:pPr marL="0" indent="0">
+              <a:buNone/>
+            </a:pPr>
+            <a:r>
+              <a:rPr lang="en-US" altLang="zh-CN" dirty="0"/>
+              <a:t>	</a:t>
+            </a:r>
+            <a:r>
+              <a:rPr lang="en-US" altLang="zh-CN" dirty="0" smtClean="0"/>
+              <a:t>return </a:t>
+            </a:r>
+            <a:r>
+              <a:rPr lang="en-US" altLang="zh-CN" dirty="0"/>
+              <a:t>b ;</a:t>
+            </a:r>
+          </a:p>
+          <a:p>
+            <a:pPr marL="0" indent="0">
+              <a:buNone/>
+            </a:pPr>
+            <a:r>
+              <a:rPr lang="en-US" altLang="zh-CN" dirty="0" smtClean="0"/>
+              <a:t>} </a:t>
+            </a:r>
+            <a:r>
+              <a:rPr lang="en-US" altLang="zh-CN" dirty="0"/>
+              <a:t>	</a:t>
+            </a:r>
+          </a:p>
+          <a:p>
+            <a:pPr marL="0" indent="0">
+              <a:buNone/>
+            </a:pPr>
+            <a:endParaRPr lang="en-US" altLang="zh-CN" dirty="0" smtClean="0"/>
+          </a:p>
+        </p:txBody>
+      </p:sp>
     </p:spTree>
     <p:extLst>
       <p:ext uri="{BB962C8B-B14F-4D97-AF65-F5344CB8AC3E}">
-        <p14:creationId xmlns:p14="http://schemas.microsoft.com/office/powerpoint/2010/main" val="3418871224"/>
+        <p14:creationId xmlns:p14="http://schemas.microsoft.com/office/powerpoint/2010/main" val="3066691450"/>
       </p:ext>
     </p:extLst>
   </p:cSld>
   <p:clrMapOvr>
     <a:masterClrMapping/>
   </p:clrMapOvr>
-  <p:timing>
-    <p:tnLst>
-      <p:par>
-        <p:cTn id="1" dur="indefinite" restart="never" nodeType="tmRoot"/>
-      </p:par>
-    </p:tnLst>
-  </p:timing>
 </p:sld>
 </file>
 
-<file path=ppt/slides/slide4.xml><?xml version="1.0" encoding="utf-8"?>
+<file path=ppt/slides/slide5.xml><?xml version="1.0" encoding="utf-8"?>
+<p:sld xmlns:a="http://schemas.openxmlformats.org/drawingml/2006/main" xmlns:r="http://schemas.openxmlformats.org/officeDocument/2006/relationships" xmlns:p="http://schemas.openxmlformats.org/presentationml/2006/main">
+  <p:cSld>
+    <p:spTree>
+      <p:nvGrpSpPr>
+        <p:cNvPr id="1" name=""/>
+        <p:cNvGrpSpPr/>
+        <p:nvPr/>
+      </p:nvGrpSpPr>
+      <p:grpSpPr>
+        <a:xfrm>
+          <a:off x="0" y="0"/>
+          <a:ext cx="0" cy="0"/>
+          <a:chOff x="0" y="0"/>
+          <a:chExt cx="0" cy="0"/>
+        </a:xfrm>
+      </p:grpSpPr>
+      <p:sp>
+        <p:nvSpPr>
+          <p:cNvPr id="2" name="标题 1"/>
+          <p:cNvSpPr>
+            <a:spLocks noGrp="1"/>
+          </p:cNvSpPr>
+          <p:nvPr>
+            <p:ph type="title"/>
+          </p:nvPr>
+        </p:nvSpPr>
+        <p:spPr/>
+        <p:txBody>
+          <a:bodyPr>
+            <a:normAutofit fontScale="90000"/>
+          </a:bodyPr>
+          <a:lstStyle/>
+          <a:p>
+            <a:r>
+              <a:rPr lang="zh-CN" altLang="en-US" dirty="0" smtClean="0"/>
+              <a:t>类型参数的推导</a:t>
+            </a:r>
+            <a:endParaRPr lang="zh-CN" altLang="en-US" dirty="0"/>
+          </a:p>
+        </p:txBody>
+      </p:sp>
+      <p:sp>
+        <p:nvSpPr>
+          <p:cNvPr id="3" name="内容占位符 2"/>
+          <p:cNvSpPr>
+            <a:spLocks noGrp="1"/>
+          </p:cNvSpPr>
+          <p:nvPr>
+            <p:ph idx="1"/>
+          </p:nvPr>
+        </p:nvSpPr>
+        <p:spPr/>
+        <p:txBody>
+          <a:bodyPr/>
+          <a:lstStyle/>
+          <a:p>
+            <a:r>
+              <a:rPr lang="en-US" altLang="zh-CN" dirty="0" err="1"/>
+              <a:t>int</a:t>
+            </a:r>
+            <a:r>
+              <a:rPr lang="en-US" altLang="zh-CN" dirty="0"/>
+              <a:t> n = output("</a:t>
+            </a:r>
+            <a:r>
+              <a:rPr lang="en-US" altLang="zh-CN" dirty="0" err="1"/>
+              <a:t>hahaha</a:t>
+            </a:r>
+            <a:r>
+              <a:rPr lang="en-US" altLang="zh-CN" dirty="0"/>
+              <a:t>", 3)) ;	 </a:t>
+            </a:r>
+            <a:endParaRPr lang="zh-CN" altLang="en-US" dirty="0"/>
+          </a:p>
+        </p:txBody>
+      </p:sp>
+    </p:spTree>
+    <p:extLst>
+      <p:ext uri="{BB962C8B-B14F-4D97-AF65-F5344CB8AC3E}">
+        <p14:creationId xmlns:p14="http://schemas.microsoft.com/office/powerpoint/2010/main" val="2480787691"/>
+      </p:ext>
+    </p:extLst>
+  </p:cSld>
+  <p:clrMapOvr>
+    <a:masterClrMapping/>
+  </p:clrMapOvr>
+</p:sld>
+</file>
+
+<file path=ppt/slides/slide6.xml><?xml version="1.0" encoding="utf-8"?>
+<p:sld xmlns:a="http://schemas.openxmlformats.org/drawingml/2006/main" xmlns:r="http://schemas.openxmlformats.org/officeDocument/2006/relationships" xmlns:p="http://schemas.openxmlformats.org/presentationml/2006/main">
+  <p:cSld>
+    <p:spTree>
+      <p:nvGrpSpPr>
+        <p:cNvPr id="1" name=""/>
+        <p:cNvGrpSpPr/>
+        <p:nvPr/>
+      </p:nvGrpSpPr>
+      <p:grpSpPr>
+        <a:xfrm>
+          <a:off x="0" y="0"/>
+          <a:ext cx="0" cy="0"/>
+          <a:chOff x="0" y="0"/>
+          <a:chExt cx="0" cy="0"/>
+        </a:xfrm>
+      </p:grpSpPr>
+      <p:sp>
+        <p:nvSpPr>
+          <p:cNvPr id="2" name="标题 1"/>
+          <p:cNvSpPr>
+            <a:spLocks noGrp="1"/>
+          </p:cNvSpPr>
+          <p:nvPr>
+            <p:ph type="title"/>
+          </p:nvPr>
+        </p:nvSpPr>
+        <p:spPr/>
+        <p:txBody>
+          <a:bodyPr>
+            <a:normAutofit fontScale="90000"/>
+          </a:bodyPr>
+          <a:lstStyle/>
+          <a:p>
+            <a:r>
+              <a:rPr lang="zh-CN" altLang="en-US" dirty="0" smtClean="0"/>
+              <a:t>类是容器</a:t>
+            </a:r>
+            <a:endParaRPr lang="zh-CN" altLang="en-US" dirty="0"/>
+          </a:p>
+        </p:txBody>
+      </p:sp>
+      <p:sp>
+        <p:nvSpPr>
+          <p:cNvPr id="3" name="内容占位符 2"/>
+          <p:cNvSpPr>
+            <a:spLocks noGrp="1"/>
+          </p:cNvSpPr>
+          <p:nvPr>
+            <p:ph idx="1"/>
+          </p:nvPr>
+        </p:nvSpPr>
+        <p:spPr>
+          <a:xfrm>
+            <a:off x="457200" y="980728"/>
+            <a:ext cx="8229600" cy="5145435"/>
+          </a:xfrm>
+        </p:spPr>
+        <p:txBody>
+          <a:bodyPr>
+            <a:normAutofit fontScale="55000" lnSpcReduction="20000"/>
+          </a:bodyPr>
+          <a:lstStyle/>
+          <a:p>
+            <a:r>
+              <a:rPr lang="zh-CN" altLang="en-US" sz="3600" dirty="0" smtClean="0"/>
+              <a:t>容器中的元素的参数化</a:t>
+            </a:r>
+            <a:endParaRPr lang="en-US" altLang="zh-CN" sz="3600" dirty="0" smtClean="0"/>
+          </a:p>
+          <a:p>
+            <a:pPr marL="0" indent="0">
+              <a:buNone/>
+            </a:pPr>
+            <a:r>
+              <a:rPr lang="en-US" altLang="zh-CN" dirty="0"/>
+              <a:t>public class </a:t>
+            </a:r>
+            <a:r>
+              <a:rPr lang="en-US" altLang="zh-CN" dirty="0" err="1"/>
+              <a:t>GenericRectanble</a:t>
+            </a:r>
+            <a:r>
+              <a:rPr lang="en-US" altLang="zh-CN" dirty="0"/>
+              <a:t>&lt;T </a:t>
+            </a:r>
+            <a:r>
+              <a:rPr lang="en-US" altLang="zh-CN" dirty="0" smtClean="0"/>
+              <a:t>&gt; {</a:t>
+            </a:r>
+          </a:p>
+          <a:p>
+            <a:pPr marL="0" indent="0">
+              <a:buNone/>
+            </a:pPr>
+            <a:r>
+              <a:rPr lang="en-US" altLang="zh-CN" dirty="0" smtClean="0"/>
+              <a:t>  private T height ;</a:t>
+            </a:r>
+          </a:p>
+          <a:p>
+            <a:pPr marL="0" indent="0">
+              <a:buNone/>
+            </a:pPr>
+            <a:r>
+              <a:rPr lang="en-US" altLang="zh-CN" dirty="0" smtClean="0"/>
+              <a:t>  private </a:t>
+            </a:r>
+            <a:r>
+              <a:rPr lang="en-US" altLang="zh-CN" dirty="0"/>
+              <a:t>T width ;</a:t>
+            </a:r>
+          </a:p>
+          <a:p>
+            <a:pPr marL="0" indent="0">
+              <a:buNone/>
+            </a:pPr>
+            <a:r>
+              <a:rPr lang="en-US" altLang="zh-CN" dirty="0"/>
+              <a:t>	</a:t>
+            </a:r>
+          </a:p>
+          <a:p>
+            <a:pPr marL="0" indent="0">
+              <a:buNone/>
+            </a:pPr>
+            <a:r>
+              <a:rPr lang="en-US" altLang="zh-CN" dirty="0" smtClean="0"/>
+              <a:t>  public </a:t>
+            </a:r>
+            <a:r>
+              <a:rPr lang="en-US" altLang="zh-CN" dirty="0" err="1"/>
+              <a:t>GenericRectanble</a:t>
+            </a:r>
+            <a:r>
+              <a:rPr lang="en-US" altLang="zh-CN" dirty="0"/>
+              <a:t>(T h, T w ) {</a:t>
+            </a:r>
+          </a:p>
+          <a:p>
+            <a:pPr marL="0" indent="0">
+              <a:buNone/>
+            </a:pPr>
+            <a:r>
+              <a:rPr lang="en-US" altLang="zh-CN" dirty="0" smtClean="0"/>
+              <a:t>    </a:t>
+            </a:r>
+            <a:r>
+              <a:rPr lang="en-US" altLang="zh-CN" dirty="0" err="1" smtClean="0"/>
+              <a:t>this.height</a:t>
+            </a:r>
+            <a:r>
+              <a:rPr lang="en-US" altLang="zh-CN" dirty="0" smtClean="0"/>
+              <a:t> </a:t>
+            </a:r>
+            <a:r>
+              <a:rPr lang="en-US" altLang="zh-CN" dirty="0"/>
+              <a:t>= h ;</a:t>
+            </a:r>
+          </a:p>
+          <a:p>
+            <a:pPr marL="0" indent="0">
+              <a:buNone/>
+            </a:pPr>
+            <a:r>
+              <a:rPr lang="en-US" altLang="zh-CN" dirty="0" smtClean="0"/>
+              <a:t>    </a:t>
+            </a:r>
+            <a:r>
+              <a:rPr lang="en-US" altLang="zh-CN" dirty="0" err="1" smtClean="0"/>
+              <a:t>this.width</a:t>
+            </a:r>
+            <a:r>
+              <a:rPr lang="en-US" altLang="zh-CN" dirty="0" smtClean="0"/>
+              <a:t> </a:t>
+            </a:r>
+            <a:r>
+              <a:rPr lang="en-US" altLang="zh-CN" dirty="0"/>
+              <a:t>= w ;</a:t>
+            </a:r>
+          </a:p>
+          <a:p>
+            <a:pPr marL="0" indent="0">
+              <a:buNone/>
+            </a:pPr>
+            <a:r>
+              <a:rPr lang="en-US" altLang="zh-CN" dirty="0" smtClean="0"/>
+              <a:t>  }</a:t>
+            </a:r>
+            <a:endParaRPr lang="en-US" altLang="zh-CN" dirty="0"/>
+          </a:p>
+          <a:p>
+            <a:pPr marL="0" indent="0">
+              <a:buNone/>
+            </a:pPr>
+            <a:r>
+              <a:rPr lang="en-US" altLang="zh-CN" dirty="0"/>
+              <a:t>	</a:t>
+            </a:r>
+          </a:p>
+          <a:p>
+            <a:pPr marL="0" indent="0">
+              <a:buNone/>
+            </a:pPr>
+            <a:r>
+              <a:rPr lang="en-US" altLang="zh-CN" dirty="0" smtClean="0"/>
+              <a:t>  public </a:t>
+            </a:r>
+            <a:r>
+              <a:rPr lang="en-US" altLang="zh-CN" dirty="0"/>
+              <a:t>T </a:t>
+            </a:r>
+            <a:r>
+              <a:rPr lang="en-US" altLang="zh-CN" dirty="0" err="1"/>
+              <a:t>getHeight</a:t>
+            </a:r>
+            <a:r>
+              <a:rPr lang="en-US" altLang="zh-CN" dirty="0"/>
+              <a:t>() { return height ; } </a:t>
+            </a:r>
+          </a:p>
+          <a:p>
+            <a:pPr marL="0" indent="0">
+              <a:buNone/>
+            </a:pPr>
+            <a:endParaRPr lang="en-US" altLang="zh-CN" dirty="0"/>
+          </a:p>
+          <a:p>
+            <a:pPr marL="0" indent="0">
+              <a:buNone/>
+            </a:pPr>
+            <a:r>
+              <a:rPr lang="en-US" altLang="zh-CN" dirty="0" smtClean="0"/>
+              <a:t>  public </a:t>
+            </a:r>
+            <a:r>
+              <a:rPr lang="en-US" altLang="zh-CN" dirty="0"/>
+              <a:t>T area() </a:t>
+            </a:r>
+            <a:r>
+              <a:rPr lang="en-US" altLang="zh-CN" dirty="0" smtClean="0"/>
+              <a:t>{</a:t>
+            </a:r>
+          </a:p>
+          <a:p>
+            <a:pPr marL="0" indent="0">
+              <a:buNone/>
+            </a:pPr>
+            <a:r>
+              <a:rPr lang="en-US" altLang="zh-CN" dirty="0"/>
+              <a:t>       // The operator * is undefined for the argument type(s) T, T</a:t>
+            </a:r>
+          </a:p>
+          <a:p>
+            <a:pPr marL="0" indent="0">
+              <a:buNone/>
+            </a:pPr>
+            <a:r>
+              <a:rPr lang="en-US" altLang="zh-CN" dirty="0" smtClean="0"/>
+              <a:t>       return </a:t>
+            </a:r>
+            <a:r>
+              <a:rPr lang="en-US" altLang="zh-CN" dirty="0"/>
+              <a:t>height * width ;</a:t>
+            </a:r>
+          </a:p>
+          <a:p>
+            <a:pPr marL="0" indent="0">
+              <a:buNone/>
+            </a:pPr>
+            <a:r>
+              <a:rPr lang="en-US" altLang="zh-CN" dirty="0" smtClean="0"/>
+              <a:t>  }</a:t>
+            </a:r>
+            <a:endParaRPr lang="en-US" altLang="zh-CN" dirty="0"/>
+          </a:p>
+          <a:p>
+            <a:pPr marL="0" indent="0">
+              <a:buNone/>
+            </a:pPr>
+            <a:r>
+              <a:rPr lang="en-US" altLang="zh-CN" dirty="0"/>
+              <a:t>}</a:t>
+            </a:r>
+          </a:p>
+        </p:txBody>
+      </p:sp>
+    </p:spTree>
+    <p:extLst>
+      <p:ext uri="{BB962C8B-B14F-4D97-AF65-F5344CB8AC3E}">
+        <p14:creationId xmlns:p14="http://schemas.microsoft.com/office/powerpoint/2010/main" val="1674547124"/>
+      </p:ext>
+    </p:extLst>
+  </p:cSld>
+  <p:clrMapOvr>
+    <a:masterClrMapping/>
+  </p:clrMapOvr>
+</p:sld>
+</file>
+
+<file path=ppt/slides/slide7.xml><?xml version="1.0" encoding="utf-8"?>
+<p:sld xmlns:a="http://schemas.openxmlformats.org/drawingml/2006/main" xmlns:r="http://schemas.openxmlformats.org/officeDocument/2006/relationships" xmlns:p="http://schemas.openxmlformats.org/presentationml/2006/main">
+  <p:cSld>
+    <p:spTree>
+      <p:nvGrpSpPr>
+        <p:cNvPr id="1" name=""/>
+        <p:cNvGrpSpPr/>
+        <p:nvPr/>
+      </p:nvGrpSpPr>
+      <p:grpSpPr>
+        <a:xfrm>
+          <a:off x="0" y="0"/>
+          <a:ext cx="0" cy="0"/>
+          <a:chOff x="0" y="0"/>
+          <a:chExt cx="0" cy="0"/>
+        </a:xfrm>
+      </p:grpSpPr>
+      <p:sp>
+        <p:nvSpPr>
+          <p:cNvPr id="2" name="标题 1"/>
+          <p:cNvSpPr>
+            <a:spLocks noGrp="1"/>
+          </p:cNvSpPr>
+          <p:nvPr>
+            <p:ph type="title"/>
+          </p:nvPr>
+        </p:nvSpPr>
+        <p:spPr/>
+        <p:txBody>
+          <a:bodyPr>
+            <a:normAutofit fontScale="90000"/>
+          </a:bodyPr>
+          <a:lstStyle/>
+          <a:p>
+            <a:r>
+              <a:rPr lang="zh-CN" altLang="en-US" dirty="0" smtClean="0"/>
+              <a:t>上界</a:t>
+            </a:r>
+            <a:endParaRPr lang="zh-CN" altLang="en-US" dirty="0"/>
+          </a:p>
+        </p:txBody>
+      </p:sp>
+      <p:sp>
+        <p:nvSpPr>
+          <p:cNvPr id="3" name="内容占位符 2"/>
+          <p:cNvSpPr>
+            <a:spLocks noGrp="1"/>
+          </p:cNvSpPr>
+          <p:nvPr>
+            <p:ph idx="1"/>
+          </p:nvPr>
+        </p:nvSpPr>
+        <p:spPr/>
+        <p:txBody>
+          <a:bodyPr>
+            <a:normAutofit fontScale="55000" lnSpcReduction="20000"/>
+          </a:bodyPr>
+          <a:lstStyle/>
+          <a:p>
+            <a:pPr marL="0" indent="0">
+              <a:buNone/>
+            </a:pPr>
+            <a:r>
+              <a:rPr lang="en-US" altLang="zh-CN" dirty="0"/>
+              <a:t>public class </a:t>
+            </a:r>
+            <a:r>
+              <a:rPr lang="en-US" altLang="zh-CN" dirty="0" err="1"/>
+              <a:t>GenericRectanble</a:t>
+            </a:r>
+            <a:r>
+              <a:rPr lang="en-US" altLang="zh-CN" dirty="0"/>
+              <a:t>&lt;T extends Number&gt; {</a:t>
+            </a:r>
+          </a:p>
+          <a:p>
+            <a:pPr marL="0" indent="0">
+              <a:buNone/>
+            </a:pPr>
+            <a:r>
+              <a:rPr lang="en-US" altLang="zh-CN" dirty="0"/>
+              <a:t>	private T height ;</a:t>
+            </a:r>
+          </a:p>
+          <a:p>
+            <a:pPr marL="0" indent="0">
+              <a:buNone/>
+            </a:pPr>
+            <a:r>
+              <a:rPr lang="en-US" altLang="zh-CN" dirty="0"/>
+              <a:t>	private T width ;</a:t>
+            </a:r>
+          </a:p>
+          <a:p>
+            <a:pPr marL="0" indent="0">
+              <a:buNone/>
+            </a:pPr>
+            <a:r>
+              <a:rPr lang="en-US" altLang="zh-CN" dirty="0"/>
+              <a:t>	</a:t>
+            </a:r>
+          </a:p>
+          <a:p>
+            <a:pPr marL="0" indent="0">
+              <a:buNone/>
+            </a:pPr>
+            <a:r>
+              <a:rPr lang="en-US" altLang="zh-CN" dirty="0"/>
+              <a:t>	public </a:t>
+            </a:r>
+            <a:r>
+              <a:rPr lang="en-US" altLang="zh-CN" dirty="0" err="1"/>
+              <a:t>GenericRectanble</a:t>
+            </a:r>
+            <a:r>
+              <a:rPr lang="en-US" altLang="zh-CN" dirty="0"/>
+              <a:t>(T h, T w ) {</a:t>
+            </a:r>
+          </a:p>
+          <a:p>
+            <a:pPr marL="0" indent="0">
+              <a:buNone/>
+            </a:pPr>
+            <a:r>
+              <a:rPr lang="en-US" altLang="zh-CN" dirty="0"/>
+              <a:t>		</a:t>
+            </a:r>
+            <a:r>
+              <a:rPr lang="en-US" altLang="zh-CN" dirty="0" err="1"/>
+              <a:t>this.height</a:t>
+            </a:r>
+            <a:r>
+              <a:rPr lang="en-US" altLang="zh-CN" dirty="0"/>
+              <a:t> = h ;</a:t>
+            </a:r>
+          </a:p>
+          <a:p>
+            <a:pPr marL="0" indent="0">
+              <a:buNone/>
+            </a:pPr>
+            <a:r>
+              <a:rPr lang="en-US" altLang="zh-CN" dirty="0"/>
+              <a:t>		</a:t>
+            </a:r>
+            <a:r>
+              <a:rPr lang="en-US" altLang="zh-CN" dirty="0" err="1"/>
+              <a:t>this.width</a:t>
+            </a:r>
+            <a:r>
+              <a:rPr lang="en-US" altLang="zh-CN" dirty="0"/>
+              <a:t> = w ;</a:t>
+            </a:r>
+          </a:p>
+          <a:p>
+            <a:pPr marL="0" indent="0">
+              <a:buNone/>
+            </a:pPr>
+            <a:r>
+              <a:rPr lang="en-US" altLang="zh-CN" dirty="0"/>
+              <a:t>	}</a:t>
+            </a:r>
+          </a:p>
+          <a:p>
+            <a:pPr marL="0" indent="0">
+              <a:buNone/>
+            </a:pPr>
+            <a:r>
+              <a:rPr lang="en-US" altLang="zh-CN" dirty="0"/>
+              <a:t>	</a:t>
+            </a:r>
+          </a:p>
+          <a:p>
+            <a:pPr marL="0" indent="0">
+              <a:buNone/>
+            </a:pPr>
+            <a:r>
+              <a:rPr lang="en-US" altLang="zh-CN" dirty="0"/>
+              <a:t>	public T </a:t>
+            </a:r>
+            <a:r>
+              <a:rPr lang="en-US" altLang="zh-CN" dirty="0" err="1"/>
+              <a:t>getHeight</a:t>
+            </a:r>
+            <a:r>
+              <a:rPr lang="en-US" altLang="zh-CN" dirty="0"/>
+              <a:t>() { return height ; } </a:t>
+            </a:r>
+          </a:p>
+          <a:p>
+            <a:pPr marL="0" indent="0">
+              <a:buNone/>
+            </a:pPr>
+            <a:r>
+              <a:rPr lang="en-US" altLang="zh-CN" dirty="0"/>
+              <a:t>	</a:t>
+            </a:r>
+          </a:p>
+          <a:p>
+            <a:pPr marL="0" indent="0">
+              <a:buNone/>
+            </a:pPr>
+            <a:r>
+              <a:rPr lang="en-US" altLang="zh-CN" dirty="0"/>
+              <a:t>	public double area() {</a:t>
+            </a:r>
+          </a:p>
+          <a:p>
+            <a:pPr marL="0" indent="0">
+              <a:buNone/>
+            </a:pPr>
+            <a:r>
+              <a:rPr lang="en-US" altLang="zh-CN" dirty="0"/>
+              <a:t>		return </a:t>
+            </a:r>
+            <a:r>
+              <a:rPr lang="en-US" altLang="zh-CN" dirty="0" err="1"/>
+              <a:t>height.doubleValue</a:t>
+            </a:r>
+            <a:r>
+              <a:rPr lang="en-US" altLang="zh-CN" dirty="0"/>
+              <a:t>() * </a:t>
+            </a:r>
+            <a:r>
+              <a:rPr lang="en-US" altLang="zh-CN" dirty="0" err="1"/>
+              <a:t>width.doubleValue</a:t>
+            </a:r>
+            <a:r>
+              <a:rPr lang="en-US" altLang="zh-CN" dirty="0"/>
+              <a:t>() ;</a:t>
+            </a:r>
+          </a:p>
+          <a:p>
+            <a:pPr marL="0" indent="0">
+              <a:buNone/>
+            </a:pPr>
+            <a:r>
+              <a:rPr lang="en-US" altLang="zh-CN" dirty="0"/>
+              <a:t>	}</a:t>
+            </a:r>
+          </a:p>
+          <a:p>
+            <a:pPr marL="0" indent="0">
+              <a:buNone/>
+            </a:pPr>
+            <a:r>
+              <a:rPr lang="en-US" altLang="zh-CN" dirty="0"/>
+              <a:t>}</a:t>
+            </a:r>
+            <a:endParaRPr lang="zh-CN" altLang="en-US" dirty="0"/>
+          </a:p>
+        </p:txBody>
+      </p:sp>
+      <p:pic>
+        <p:nvPicPr>
+          <p:cNvPr id="1026" name="Picture 2"/>
+          <p:cNvPicPr>
+            <a:picLocks noChangeAspect="1" noChangeArrowheads="1"/>
+          </p:cNvPicPr>
+          <p:nvPr/>
+        </p:nvPicPr>
+        <p:blipFill>
+          <a:blip r:embed="rId2">
+            <a:extLst>
+              <a:ext uri="{28A0092B-C50C-407E-A947-70E740481C1C}">
+                <a14:useLocalDpi xmlns:a14="http://schemas.microsoft.com/office/drawing/2010/main" val="0"/>
+              </a:ext>
+            </a:extLst>
+          </a:blip>
+          <a:srcRect/>
+          <a:stretch>
+            <a:fillRect/>
+          </a:stretch>
+        </p:blipFill>
+        <p:spPr bwMode="auto">
+          <a:xfrm>
+            <a:off x="6732240" y="1340768"/>
+            <a:ext cx="2210091" cy="2736304"/>
+          </a:xfrm>
+          <a:prstGeom prst="rect">
+            <a:avLst/>
+          </a:prstGeom>
+          <a:noFill/>
+          <a:ln>
+            <a:noFill/>
+          </a:ln>
+          <a:effectLst/>
+          <a:extLst>
+            <a:ext uri="{909E8E84-426E-40DD-AFC4-6F175D3DCCD1}">
+              <a14:hiddenFill xmlns:a14="http://schemas.microsoft.com/office/drawing/2010/main">
+                <a:solidFill>
+                  <a:schemeClr val="accent1"/>
+                </a:solidFill>
+              </a14:hiddenFill>
+            </a:ext>
+            <a:ext uri="{91240B29-F687-4F45-9708-019B960494DF}">
+              <a14:hiddenLine xmlns:a14="http://schemas.microsoft.com/office/drawing/2010/main" w="9525">
+                <a:solidFill>
+                  <a:schemeClr val="tx1"/>
+                </a:solidFill>
+                <a:miter lim="800000"/>
+                <a:headEnd/>
+                <a:tailEnd/>
+              </a14:hiddenLine>
+            </a:ext>
+            <a:ext uri="{AF507438-7753-43E0-B8FC-AC1667EBCBE1}">
+              <a14:hiddenEffects xmlns:a14="http://schemas.microsoft.com/office/drawing/2010/main">
+                <a:effectLst>
+                  <a:outerShdw dist="35921" dir="2700000" algn="ctr" rotWithShape="0">
+                    <a:schemeClr val="bg2"/>
+                  </a:outerShdw>
+                </a:effectLst>
+              </a14:hiddenEffects>
+            </a:ext>
+          </a:extLst>
+        </p:spPr>
+      </p:pic>
+    </p:spTree>
+    <p:extLst>
+      <p:ext uri="{BB962C8B-B14F-4D97-AF65-F5344CB8AC3E}">
+        <p14:creationId xmlns:p14="http://schemas.microsoft.com/office/powerpoint/2010/main" val="3211693705"/>
+      </p:ext>
+    </p:extLst>
+  </p:cSld>
+  <p:clrMapOvr>
+    <a:masterClrMapping/>
+  </p:clrMapOvr>
+</p:sld>
+</file>
+
+<file path=ppt/slides/slide8.xml><?xml version="1.0" encoding="utf-8"?>
 <p:sld xmlns:a="http://schemas.openxmlformats.org/drawingml/2006/main" xmlns:r="http://schemas.openxmlformats.org/officeDocument/2006/relationships" xmlns:p="http://schemas.openxmlformats.org/presentationml/2006/main">
   <p:cSld>
     <p:spTree>

--- a/java/docs/07-java-泛型.pptx
+++ b/java/docs/07-java-泛型.pptx
@@ -200,7 +200,7 @@
           <a:p>
             <a:fld id="{D6CB015B-B7FF-4093-8E19-9AD7339689D2}" type="datetimeFigureOut">
               <a:rPr lang="zh-CN" altLang="en-US" smtClean="0"/>
-              <a:t>2017/12/3</a:t>
+              <a:t>2017/12/4</a:t>
             </a:fld>
             <a:endParaRPr lang="zh-CN" altLang="en-US"/>
           </a:p>
@@ -2071,7 +2071,7 @@
             <a:fld id="{B35E7478-ADE7-4480-A214-01473DFE0029}" type="datetimeFigureOut">
               <a:rPr lang="zh-CN" altLang="en-US" smtClean="0"/>
               <a:pPr/>
-              <a:t>2017/12/3</a:t>
+              <a:t>2017/12/4</a:t>
             </a:fld>
             <a:endParaRPr lang="zh-CN" altLang="en-US"/>
           </a:p>
@@ -5936,7 +5936,7 @@
             <a:fld id="{B35E7478-ADE7-4480-A214-01473DFE0029}" type="datetimeFigureOut">
               <a:rPr lang="zh-CN" altLang="en-US" smtClean="0"/>
               <a:pPr/>
-              <a:t>2017/12/3</a:t>
+              <a:t>2017/12/4</a:t>
             </a:fld>
             <a:endParaRPr lang="zh-CN" altLang="en-US"/>
           </a:p>
@@ -7604,7 +7604,7 @@
             <a:fld id="{B35E7478-ADE7-4480-A214-01473DFE0029}" type="datetimeFigureOut">
               <a:rPr lang="zh-CN" altLang="en-US" smtClean="0"/>
               <a:pPr/>
-              <a:t>2017/12/3</a:t>
+              <a:t>2017/12/4</a:t>
             </a:fld>
             <a:endParaRPr lang="zh-CN" altLang="en-US"/>
           </a:p>
@@ -11908,7 +11908,7 @@
                 </a:solidFill>
               </a:rPr>
               <a:pPr/>
-              <a:t>2017/12/3</a:t>
+              <a:t>2017/12/4</a:t>
             </a:fld>
             <a:endParaRPr lang="zh-CN" altLang="en-US">
               <a:solidFill>
@@ -15826,7 +15826,7 @@
                 </a:solidFill>
               </a:rPr>
               <a:pPr/>
-              <a:t>2017/12/3</a:t>
+              <a:t>2017/12/4</a:t>
             </a:fld>
             <a:endParaRPr lang="zh-CN" altLang="en-US">
               <a:solidFill>
@@ -21677,7 +21677,7 @@
                 </a:solidFill>
               </a:rPr>
               <a:pPr/>
-              <a:t>2017/12/3</a:t>
+              <a:t>2017/12/4</a:t>
             </a:fld>
             <a:endParaRPr lang="zh-CN" altLang="en-US">
               <a:solidFill>
@@ -22267,7 +22267,7 @@
                 </a:solidFill>
               </a:rPr>
               <a:pPr/>
-              <a:t>2017/12/3</a:t>
+              <a:t>2017/12/4</a:t>
             </a:fld>
             <a:endParaRPr lang="zh-CN" altLang="en-US">
               <a:solidFill>
@@ -25971,7 +25971,7 @@
                 </a:solidFill>
               </a:rPr>
               <a:pPr/>
-              <a:t>2017/12/3</a:t>
+              <a:t>2017/12/4</a:t>
             </a:fld>
             <a:endParaRPr lang="zh-CN" altLang="en-US">
               <a:solidFill>
@@ -26105,7 +26105,7 @@
                 </a:solidFill>
               </a:rPr>
               <a:pPr/>
-              <a:t>2017/12/3</a:t>
+              <a:t>2017/12/4</a:t>
             </a:fld>
             <a:endParaRPr lang="zh-CN" altLang="en-US">
               <a:solidFill>
@@ -26934,7 +26934,7 @@
             <a:fld id="{B35E7478-ADE7-4480-A214-01473DFE0029}" type="datetimeFigureOut">
               <a:rPr lang="zh-CN" altLang="en-US" smtClean="0"/>
               <a:pPr/>
-              <a:t>2017/12/3</a:t>
+              <a:t>2017/12/4</a:t>
             </a:fld>
             <a:endParaRPr lang="zh-CN" altLang="en-US"/>
           </a:p>
@@ -32262,7 +32262,7 @@
             <a:fld id="{B35E7478-ADE7-4480-A214-01473DFE0029}" type="datetimeFigureOut">
               <a:rPr lang="zh-CN" altLang="en-US" smtClean="0"/>
               <a:pPr/>
-              <a:t>2017/12/3</a:t>
+              <a:t>2017/12/4</a:t>
             </a:fld>
             <a:endParaRPr lang="zh-CN" altLang="en-US"/>
           </a:p>
@@ -37616,7 +37616,7 @@
             <a:fld id="{B35E7478-ADE7-4480-A214-01473DFE0029}" type="datetimeFigureOut">
               <a:rPr lang="zh-CN" altLang="en-US" smtClean="0"/>
               <a:pPr/>
-              <a:t>2017/12/3</a:t>
+              <a:t>2017/12/4</a:t>
             </a:fld>
             <a:endParaRPr lang="zh-CN" altLang="en-US"/>
           </a:p>
@@ -37713,7 +37713,7 @@
             <a:fld id="{B35E7478-ADE7-4480-A214-01473DFE0029}" type="datetimeFigureOut">
               <a:rPr lang="zh-CN" altLang="en-US" smtClean="0"/>
               <a:pPr/>
-              <a:t>2017/12/3</a:t>
+              <a:t>2017/12/4</a:t>
             </a:fld>
             <a:endParaRPr lang="zh-CN" altLang="en-US"/>
           </a:p>
@@ -37999,7 +37999,7 @@
             <a:fld id="{B35E7478-ADE7-4480-A214-01473DFE0029}" type="datetimeFigureOut">
               <a:rPr lang="zh-CN" altLang="en-US" smtClean="0"/>
               <a:pPr/>
-              <a:t>2017/12/3</a:t>
+              <a:t>2017/12/4</a:t>
             </a:fld>
             <a:endParaRPr lang="zh-CN" altLang="en-US"/>
           </a:p>
@@ -38254,7 +38254,7 @@
             <a:fld id="{B35E7478-ADE7-4480-A214-01473DFE0029}" type="datetimeFigureOut">
               <a:rPr lang="zh-CN" altLang="en-US" smtClean="0"/>
               <a:pPr/>
-              <a:t>2017/12/3</a:t>
+              <a:t>2017/12/4</a:t>
             </a:fld>
             <a:endParaRPr lang="zh-CN" altLang="en-US"/>
           </a:p>
@@ -38426,7 +38426,7 @@
             <a:fld id="{B35E7478-ADE7-4480-A214-01473DFE0029}" type="datetimeFigureOut">
               <a:rPr lang="zh-CN" altLang="en-US" smtClean="0"/>
               <a:pPr/>
-              <a:t>2017/12/3</a:t>
+              <a:t>2017/12/4</a:t>
             </a:fld>
             <a:endParaRPr lang="zh-CN" altLang="en-US"/>
           </a:p>
@@ -38653,7 +38653,7 @@
             <a:fld id="{B35E7478-ADE7-4480-A214-01473DFE0029}" type="datetimeFigureOut">
               <a:rPr lang="zh-CN" altLang="en-US" smtClean="0"/>
               <a:pPr/>
-              <a:t>2017/12/3</a:t>
+              <a:t>2017/12/4</a:t>
             </a:fld>
             <a:endParaRPr lang="zh-CN" altLang="en-US"/>
           </a:p>
@@ -39189,7 +39189,7 @@
                 </a:solidFill>
               </a:rPr>
               <a:pPr/>
-              <a:t>2017/12/3</a:t>
+              <a:t>2017/12/4</a:t>
             </a:fld>
             <a:endParaRPr lang="zh-CN" altLang="en-US">
               <a:solidFill>
@@ -39764,6 +39764,13 @@
   <p:clrMapOvr>
     <a:masterClrMapping/>
   </p:clrMapOvr>
+  <p:timing>
+    <p:tnLst>
+      <p:par>
+        <p:cTn id="1" dur="indefinite" restart="never" nodeType="tmRoot"/>
+      </p:par>
+    </p:tnLst>
+  </p:timing>
 </p:sld>
 </file>
 
@@ -40144,8 +40151,8 @@
               <a:t>T, U&gt; U </a:t>
             </a:r>
             <a:r>
-              <a:rPr lang="en-US" altLang="zh-CN" dirty="0" err="1" smtClean="0"/>
-              <a:t>multiput</a:t>
+              <a:rPr lang="en-US" altLang="zh-CN" dirty="0" smtClean="0"/>
+              <a:t>multioutput</a:t>
             </a:r>
             <a:r>
               <a:rPr lang="en-US" altLang="zh-CN" dirty="0"/>
@@ -40221,6 +40228,13 @@
   <p:clrMapOvr>
     <a:masterClrMapping/>
   </p:clrMapOvr>
+  <p:timing>
+    <p:tnLst>
+      <p:par>
+        <p:cTn id="1" dur="indefinite" restart="never" nodeType="tmRoot"/>
+      </p:par>
+    </p:tnLst>
+  </p:timing>
 </p:sld>
 </file>
 
@@ -40287,7 +40301,11 @@
             </a:r>
             <a:r>
               <a:rPr lang="en-US" altLang="zh-CN" dirty="0"/>
-              <a:t> n = output("</a:t>
+              <a:t> n = </a:t>
+            </a:r>
+            <a:r>
+              <a:rPr lang="en-US" altLang="zh-CN" dirty="0"/>
+              <a:t>multioutput("</a:t>
             </a:r>
             <a:r>
               <a:rPr lang="en-US" altLang="zh-CN" dirty="0" err="1"/>
@@ -40311,6 +40329,13 @@
   <p:clrMapOvr>
     <a:masterClrMapping/>
   </p:clrMapOvr>
+  <p:timing>
+    <p:tnLst>
+      <p:par>
+        <p:cTn id="1" dur="indefinite" restart="never" nodeType="tmRoot"/>
+      </p:par>
+    </p:tnLst>
+  </p:timing>
 </p:sld>
 </file>
 
@@ -40611,6 +40636,13 @@
   <p:clrMapOvr>
     <a:masterClrMapping/>
   </p:clrMapOvr>
+  <p:timing>
+    <p:tnLst>
+      <p:par>
+        <p:cTn id="1" dur="indefinite" restart="never" nodeType="tmRoot"/>
+      </p:par>
+    </p:tnLst>
+  </p:timing>
 </p:sld>
 </file>
 
@@ -40669,7 +40701,7 @@
         <p:spPr/>
         <p:txBody>
           <a:bodyPr>
-            <a:normAutofit fontScale="55000" lnSpcReduction="20000"/>
+            <a:normAutofit fontScale="47500" lnSpcReduction="20000"/>
           </a:bodyPr>
           <a:lstStyle/>
           <a:p>
@@ -40859,8 +40891,39 @@
               <a:buNone/>
             </a:pPr>
             <a:r>
+              <a:rPr lang="en-US" altLang="zh-CN" dirty="0" smtClean="0"/>
+              <a:t>}</a:t>
+            </a:r>
+          </a:p>
+          <a:p>
+            <a:pPr marL="0" indent="0">
+              <a:buNone/>
+            </a:pPr>
+            <a:endParaRPr lang="en-US" altLang="zh-CN" dirty="0" smtClean="0"/>
+          </a:p>
+          <a:p>
+            <a:pPr marL="0" indent="0">
+              <a:buNone/>
+            </a:pPr>
+            <a:r>
+              <a:rPr lang="en-US" altLang="zh-CN" dirty="0" err="1" smtClean="0"/>
+              <a:t>GenericRectanble</a:t>
+            </a:r>
+            <a:r>
+              <a:rPr lang="en-US" altLang="zh-CN" dirty="0" smtClean="0"/>
+              <a:t>&lt;Integer&gt; r = new </a:t>
+            </a:r>
+            <a:r>
+              <a:rPr lang="en-US" altLang="zh-CN" dirty="0" err="1"/>
+              <a:t>GenericRectanble</a:t>
+            </a:r>
+            <a:r>
               <a:rPr lang="en-US" altLang="zh-CN" dirty="0"/>
-              <a:t>}</a:t>
+              <a:t>&lt;Integer</a:t>
+            </a:r>
+            <a:r>
+              <a:rPr lang="en-US" altLang="zh-CN" dirty="0" smtClean="0"/>
+              <a:t>&gt;(5, 8) ;</a:t>
             </a:r>
             <a:endParaRPr lang="zh-CN" altLang="en-US" dirty="0"/>
           </a:p>
@@ -40940,6 +41003,13 @@
   <p:clrMapOvr>
     <a:masterClrMapping/>
   </p:clrMapOvr>
+  <p:timing>
+    <p:tnLst>
+      <p:par>
+        <p:cTn id="1" dur="indefinite" restart="never" nodeType="tmRoot"/>
+      </p:par>
+    </p:tnLst>
+  </p:timing>
 </p:sld>
 </file>
 
